--- a/SubRoutine Diagrams/TimeSheetViewer.pptx
+++ b/SubRoutine Diagrams/TimeSheetViewer.pptx
@@ -225,7 +225,7 @@
           <a:p>
             <a:fld id="{59088EAF-6ECA-4616-85EF-35AA19C641F3}" type="datetimeFigureOut">
               <a:rPr lang="en-US"/>
-              <a:t>5/19/2020</a:t>
+              <a:t>5/20/2020</a:t>
             </a:fld>
             <a:endParaRPr/>
           </a:p>
@@ -390,7 +390,7 @@
           <a:p>
             <a:fld id="{3ABD2D7A-D230-4F91-BD59-0A39C2703BA8}" type="datetimeFigureOut">
               <a:rPr lang="en-US"/>
-              <a:t>5/19/2020</a:t>
+              <a:t>5/20/2020</a:t>
             </a:fld>
             <a:endParaRPr/>
           </a:p>
@@ -652,6 +652,93 @@
 </p:notesMaster>
 </file>
 
+<file path=ppt/notesSlides/notesSlide1.xml><?xml version="1.0" encoding="utf-8"?>
+<p:notes xmlns:a="http://schemas.openxmlformats.org/drawingml/2006/main" xmlns:r="http://schemas.openxmlformats.org/officeDocument/2006/relationships" xmlns:p="http://schemas.openxmlformats.org/presentationml/2006/main">
+  <p:cSld>
+    <p:spTree>
+      <p:nvGrpSpPr>
+        <p:cNvPr id="1" name=""/>
+        <p:cNvGrpSpPr/>
+        <p:nvPr/>
+      </p:nvGrpSpPr>
+      <p:grpSpPr>
+        <a:xfrm>
+          <a:off x="0" y="0"/>
+          <a:ext cx="0" cy="0"/>
+          <a:chOff x="0" y="0"/>
+          <a:chExt cx="0" cy="0"/>
+        </a:xfrm>
+      </p:grpSpPr>
+      <p:sp>
+        <p:nvSpPr>
+          <p:cNvPr id="2" name="Slide Image Placeholder 1"/>
+          <p:cNvSpPr>
+            <a:spLocks noGrp="1" noRot="1" noChangeAspect="1"/>
+          </p:cNvSpPr>
+          <p:nvPr>
+            <p:ph type="sldImg"/>
+          </p:nvPr>
+        </p:nvSpPr>
+        <p:spPr/>
+      </p:sp>
+      <p:sp>
+        <p:nvSpPr>
+          <p:cNvPr id="3" name="Notes Placeholder 2"/>
+          <p:cNvSpPr>
+            <a:spLocks noGrp="1"/>
+          </p:cNvSpPr>
+          <p:nvPr>
+            <p:ph type="body" idx="1"/>
+          </p:nvPr>
+        </p:nvSpPr>
+        <p:spPr/>
+        <p:txBody>
+          <a:bodyPr/>
+          <a:lstStyle/>
+          <a:p>
+            <a:r>
+              <a:rPr lang="en-IN" dirty="0"/>
+              <a:t>Add Export feature</a:t>
+            </a:r>
+          </a:p>
+        </p:txBody>
+      </p:sp>
+      <p:sp>
+        <p:nvSpPr>
+          <p:cNvPr id="4" name="Slide Number Placeholder 3"/>
+          <p:cNvSpPr>
+            <a:spLocks noGrp="1"/>
+          </p:cNvSpPr>
+          <p:nvPr>
+            <p:ph type="sldNum" sz="quarter" idx="5"/>
+          </p:nvPr>
+        </p:nvSpPr>
+        <p:spPr/>
+        <p:txBody>
+          <a:bodyPr/>
+          <a:lstStyle/>
+          <a:p>
+            <a:fld id="{F93199CD-3E1B-4AE6-990F-76F925F5EA9F}" type="slidenum">
+              <a:rPr lang="en-IN" smtClean="0"/>
+              <a:t>4</a:t>
+            </a:fld>
+            <a:endParaRPr lang="en-IN"/>
+          </a:p>
+        </p:txBody>
+      </p:sp>
+    </p:spTree>
+    <p:extLst>
+      <p:ext uri="{BB962C8B-B14F-4D97-AF65-F5344CB8AC3E}">
+        <p14:creationId xmlns:p14="http://schemas.microsoft.com/office/powerpoint/2010/main" val="579280751"/>
+      </p:ext>
+    </p:extLst>
+  </p:cSld>
+  <p:clrMapOvr>
+    <a:masterClrMapping/>
+  </p:clrMapOvr>
+</p:notes>
+</file>
+
 <file path=ppt/slideLayouts/slideLayout1.xml><?xml version="1.0" encoding="utf-8"?>
 <p:sldLayout xmlns:a="http://schemas.openxmlformats.org/drawingml/2006/main" xmlns:r="http://schemas.openxmlformats.org/officeDocument/2006/relationships" xmlns:p="http://schemas.openxmlformats.org/presentationml/2006/main" type="title" preserve="1">
   <p:cSld name="Title Slide">
@@ -999,7 +1086,7 @@
           <a:p>
             <a:fld id="{03F41C87-7AD9-4845-A077-840E4A0F3F06}" type="datetimeFigureOut">
               <a:rPr lang="en-US"/>
-              <a:t>5/19/2020</a:t>
+              <a:t>5/20/2020</a:t>
             </a:fld>
             <a:endParaRPr/>
           </a:p>
@@ -1191,7 +1278,7 @@
           <a:p>
             <a:fld id="{03F41C87-7AD9-4845-A077-840E4A0F3F06}" type="datetimeFigureOut">
               <a:rPr lang="en-US"/>
-              <a:t>5/19/2020</a:t>
+              <a:t>5/20/2020</a:t>
             </a:fld>
             <a:endParaRPr/>
           </a:p>
@@ -1380,7 +1467,7 @@
           <a:p>
             <a:fld id="{03F41C87-7AD9-4845-A077-840E4A0F3F06}" type="datetimeFigureOut">
               <a:rPr lang="en-US"/>
-              <a:t>5/19/2020</a:t>
+              <a:t>5/20/2020</a:t>
             </a:fld>
             <a:endParaRPr/>
           </a:p>
@@ -1660,7 +1747,7 @@
           <a:p>
             <a:fld id="{03F41C87-7AD9-4845-A077-840E4A0F3F06}" type="datetimeFigureOut">
               <a:rPr lang="en-US"/>
-              <a:t>5/19/2020</a:t>
+              <a:t>5/20/2020</a:t>
             </a:fld>
             <a:endParaRPr/>
           </a:p>
@@ -1964,7 +2051,7 @@
           <a:p>
             <a:fld id="{03F41C87-7AD9-4845-A077-840E4A0F3F06}" type="datetimeFigureOut">
               <a:rPr lang="en-US"/>
-              <a:t>5/19/2020</a:t>
+              <a:t>5/20/2020</a:t>
             </a:fld>
             <a:endParaRPr/>
           </a:p>
@@ -2420,7 +2507,7 @@
           <a:p>
             <a:fld id="{03F41C87-7AD9-4845-A077-840E4A0F3F06}" type="datetimeFigureOut">
               <a:rPr lang="en-US"/>
-              <a:t>5/19/2020</a:t>
+              <a:t>5/20/2020</a:t>
             </a:fld>
             <a:endParaRPr/>
           </a:p>
@@ -2550,7 +2637,7 @@
           <a:p>
             <a:fld id="{03F41C87-7AD9-4845-A077-840E4A0F3F06}" type="datetimeFigureOut">
               <a:rPr lang="en-US"/>
-              <a:t>5/19/2020</a:t>
+              <a:t>5/20/2020</a:t>
             </a:fld>
             <a:endParaRPr/>
           </a:p>
@@ -2665,7 +2752,7 @@
           <a:p>
             <a:fld id="{03F41C87-7AD9-4845-A077-840E4A0F3F06}" type="datetimeFigureOut">
               <a:rPr lang="en-US"/>
-              <a:t>5/19/2020</a:t>
+              <a:t>5/20/2020</a:t>
             </a:fld>
             <a:endParaRPr/>
           </a:p>
@@ -2987,7 +3074,7 @@
           <a:p>
             <a:fld id="{03F41C87-7AD9-4845-A077-840E4A0F3F06}" type="datetimeFigureOut">
               <a:rPr lang="en-US"/>
-              <a:t>5/19/2020</a:t>
+              <a:t>5/20/2020</a:t>
             </a:fld>
             <a:endParaRPr/>
           </a:p>
@@ -3299,7 +3386,7 @@
             <a:fld id="{03F41C87-7AD9-4845-A077-840E4A0F3F06}" type="datetimeFigureOut">
               <a:rPr lang="en-US"/>
               <a:pPr/>
-              <a:t>5/19/2020</a:t>
+              <a:t>5/20/2020</a:t>
             </a:fld>
             <a:endParaRPr/>
           </a:p>
@@ -3553,7 +3640,7 @@
             <a:fld id="{03F41C87-7AD9-4845-A077-840E4A0F3F06}" type="datetimeFigureOut">
               <a:rPr lang="en-US" smtClean="0"/>
               <a:pPr/>
-              <a:t>5/19/2020</a:t>
+              <a:t>5/20/2020</a:t>
             </a:fld>
             <a:endParaRPr lang="en-US"/>
           </a:p>
@@ -4194,7 +4281,7 @@
         </p:nvGrpSpPr>
         <p:grpSpPr>
           <a:xfrm>
-            <a:off x="768660" y="2132856"/>
+            <a:off x="477788" y="1988840"/>
             <a:ext cx="10651503" cy="3600400"/>
             <a:chOff x="660649" y="2132856"/>
             <a:chExt cx="10651503" cy="3600400"/>
@@ -4417,7 +4504,7 @@
         </p:nvCxnSpPr>
         <p:spPr>
           <a:xfrm>
-            <a:off x="7138019" y="3897052"/>
+            <a:off x="6847147" y="3753036"/>
             <a:ext cx="1977888" cy="0"/>
           </a:xfrm>
           <a:prstGeom prst="straightConnector1">
@@ -4525,7 +4612,7 @@
         </p:nvSpPr>
         <p:spPr>
           <a:xfrm>
-            <a:off x="8758708" y="2141240"/>
+            <a:off x="8781770" y="2101789"/>
             <a:ext cx="2304256" cy="3888432"/>
           </a:xfrm>
           <a:prstGeom prst="can">
@@ -4782,7 +4869,7 @@
         <p:spPr>
           <a:xfrm>
             <a:off x="4006180" y="2641104"/>
-            <a:ext cx="4752528" cy="1444352"/>
+            <a:ext cx="4775590" cy="1404901"/>
           </a:xfrm>
           <a:prstGeom prst="straightConnector1">
             <a:avLst/>
@@ -4824,7 +4911,7 @@
         <p:spPr>
           <a:xfrm>
             <a:off x="4006180" y="3717033"/>
-            <a:ext cx="4752528" cy="368423"/>
+            <a:ext cx="4775590" cy="328972"/>
           </a:xfrm>
           <a:prstGeom prst="straightConnector1">
             <a:avLst/>
@@ -4865,8 +4952,8 @@
         </p:nvCxnSpPr>
         <p:spPr>
           <a:xfrm flipV="1">
-            <a:off x="4029242" y="4085456"/>
-            <a:ext cx="4729466" cy="707506"/>
+            <a:off x="4029242" y="4046005"/>
+            <a:ext cx="4752528" cy="746957"/>
           </a:xfrm>
           <a:prstGeom prst="straightConnector1">
             <a:avLst/>

--- a/SubRoutine Diagrams/TimeSheetViewer.pptx
+++ b/SubRoutine Diagrams/TimeSheetViewer.pptx
@@ -225,7 +225,7 @@
           <a:p>
             <a:fld id="{59088EAF-6ECA-4616-85EF-35AA19C641F3}" type="datetimeFigureOut">
               <a:rPr lang="en-US"/>
-              <a:t>5/20/2020</a:t>
+              <a:t>5/21/2020</a:t>
             </a:fld>
             <a:endParaRPr/>
           </a:p>
@@ -390,7 +390,7 @@
           <a:p>
             <a:fld id="{3ABD2D7A-D230-4F91-BD59-0A39C2703BA8}" type="datetimeFigureOut">
               <a:rPr lang="en-US"/>
-              <a:t>5/20/2020</a:t>
+              <a:t>5/21/2020</a:t>
             </a:fld>
             <a:endParaRPr/>
           </a:p>
@@ -1086,7 +1086,7 @@
           <a:p>
             <a:fld id="{03F41C87-7AD9-4845-A077-840E4A0F3F06}" type="datetimeFigureOut">
               <a:rPr lang="en-US"/>
-              <a:t>5/20/2020</a:t>
+              <a:t>5/21/2020</a:t>
             </a:fld>
             <a:endParaRPr/>
           </a:p>
@@ -1278,7 +1278,7 @@
           <a:p>
             <a:fld id="{03F41C87-7AD9-4845-A077-840E4A0F3F06}" type="datetimeFigureOut">
               <a:rPr lang="en-US"/>
-              <a:t>5/20/2020</a:t>
+              <a:t>5/21/2020</a:t>
             </a:fld>
             <a:endParaRPr/>
           </a:p>
@@ -1467,7 +1467,7 @@
           <a:p>
             <a:fld id="{03F41C87-7AD9-4845-A077-840E4A0F3F06}" type="datetimeFigureOut">
               <a:rPr lang="en-US"/>
-              <a:t>5/20/2020</a:t>
+              <a:t>5/21/2020</a:t>
             </a:fld>
             <a:endParaRPr/>
           </a:p>
@@ -1747,7 +1747,7 @@
           <a:p>
             <a:fld id="{03F41C87-7AD9-4845-A077-840E4A0F3F06}" type="datetimeFigureOut">
               <a:rPr lang="en-US"/>
-              <a:t>5/20/2020</a:t>
+              <a:t>5/21/2020</a:t>
             </a:fld>
             <a:endParaRPr/>
           </a:p>
@@ -2051,7 +2051,7 @@
           <a:p>
             <a:fld id="{03F41C87-7AD9-4845-A077-840E4A0F3F06}" type="datetimeFigureOut">
               <a:rPr lang="en-US"/>
-              <a:t>5/20/2020</a:t>
+              <a:t>5/21/2020</a:t>
             </a:fld>
             <a:endParaRPr/>
           </a:p>
@@ -2507,7 +2507,7 @@
           <a:p>
             <a:fld id="{03F41C87-7AD9-4845-A077-840E4A0F3F06}" type="datetimeFigureOut">
               <a:rPr lang="en-US"/>
-              <a:t>5/20/2020</a:t>
+              <a:t>5/21/2020</a:t>
             </a:fld>
             <a:endParaRPr/>
           </a:p>
@@ -2637,7 +2637,7 @@
           <a:p>
             <a:fld id="{03F41C87-7AD9-4845-A077-840E4A0F3F06}" type="datetimeFigureOut">
               <a:rPr lang="en-US"/>
-              <a:t>5/20/2020</a:t>
+              <a:t>5/21/2020</a:t>
             </a:fld>
             <a:endParaRPr/>
           </a:p>
@@ -2752,7 +2752,7 @@
           <a:p>
             <a:fld id="{03F41C87-7AD9-4845-A077-840E4A0F3F06}" type="datetimeFigureOut">
               <a:rPr lang="en-US"/>
-              <a:t>5/20/2020</a:t>
+              <a:t>5/21/2020</a:t>
             </a:fld>
             <a:endParaRPr/>
           </a:p>
@@ -3074,7 +3074,7 @@
           <a:p>
             <a:fld id="{03F41C87-7AD9-4845-A077-840E4A0F3F06}" type="datetimeFigureOut">
               <a:rPr lang="en-US"/>
-              <a:t>5/20/2020</a:t>
+              <a:t>5/21/2020</a:t>
             </a:fld>
             <a:endParaRPr/>
           </a:p>
@@ -3386,7 +3386,7 @@
             <a:fld id="{03F41C87-7AD9-4845-A077-840E4A0F3F06}" type="datetimeFigureOut">
               <a:rPr lang="en-US"/>
               <a:pPr/>
-              <a:t>5/20/2020</a:t>
+              <a:t>5/21/2020</a:t>
             </a:fld>
             <a:endParaRPr/>
           </a:p>
@@ -3640,7 +3640,7 @@
             <a:fld id="{03F41C87-7AD9-4845-A077-840E4A0F3F06}" type="datetimeFigureOut">
               <a:rPr lang="en-US" smtClean="0"/>
               <a:pPr/>
-              <a:t>5/20/2020</a:t>
+              <a:t>5/21/2020</a:t>
             </a:fld>
             <a:endParaRPr lang="en-US"/>
           </a:p>
